--- a/day2.pptx
+++ b/day2.pptx
@@ -5,7 +5,7 @@
     <p:sldMasterId id="2147483780" r:id="rId1"/>
   </p:sldMasterIdLst>
   <p:notesMasterIdLst>
-    <p:notesMasterId r:id="rId40"/>
+    <p:notesMasterId r:id="rId39"/>
   </p:notesMasterIdLst>
   <p:sldIdLst>
     <p:sldId id="256" r:id="rId2"/>
@@ -38,14 +38,13 @@
     <p:sldId id="309" r:id="rId29"/>
     <p:sldId id="263" r:id="rId30"/>
     <p:sldId id="288" r:id="rId31"/>
-    <p:sldId id="289" r:id="rId32"/>
-    <p:sldId id="290" r:id="rId33"/>
-    <p:sldId id="291" r:id="rId34"/>
-    <p:sldId id="292" r:id="rId35"/>
-    <p:sldId id="300" r:id="rId36"/>
-    <p:sldId id="304" r:id="rId37"/>
-    <p:sldId id="305" r:id="rId38"/>
-    <p:sldId id="262" r:id="rId39"/>
+    <p:sldId id="290" r:id="rId32"/>
+    <p:sldId id="291" r:id="rId33"/>
+    <p:sldId id="292" r:id="rId34"/>
+    <p:sldId id="300" r:id="rId35"/>
+    <p:sldId id="304" r:id="rId36"/>
+    <p:sldId id="305" r:id="rId37"/>
+    <p:sldId id="262" r:id="rId38"/>
   </p:sldIdLst>
   <p:sldSz cx="9144000" cy="6858000" type="screen4x3"/>
   <p:notesSz cx="6858000" cy="9144000"/>
@@ -259,7 +258,7 @@
           <a:p>
             <a:fld id="{16E5F246-0B7D-44DF-8C1B-EDFCA5DA626A}" type="datetimeFigureOut">
               <a:rPr lang="ru-RU" smtClean="0"/>
-              <a:t>06.07.2015</a:t>
+              <a:t>07.07.2015</a:t>
             </a:fld>
             <a:endParaRPr lang="ru-RU" dirty="0"/>
           </a:p>
@@ -792,7 +791,7 @@
           <a:p>
             <a:fld id="{ED7A5A9E-355E-4F5A-82F5-195339D13266}" type="datetimeFigureOut">
               <a:rPr lang="ru-RU" smtClean="0"/>
-              <a:t>06.07.2015</a:t>
+              <a:t>07.07.2015</a:t>
             </a:fld>
             <a:endParaRPr lang="ru-RU" dirty="0"/>
           </a:p>
@@ -962,7 +961,7 @@
           <a:p>
             <a:fld id="{ED7A5A9E-355E-4F5A-82F5-195339D13266}" type="datetimeFigureOut">
               <a:rPr lang="ru-RU" smtClean="0"/>
-              <a:t>06.07.2015</a:t>
+              <a:t>07.07.2015</a:t>
             </a:fld>
             <a:endParaRPr lang="ru-RU" dirty="0"/>
           </a:p>
@@ -1142,7 +1141,7 @@
           <a:p>
             <a:fld id="{ED7A5A9E-355E-4F5A-82F5-195339D13266}" type="datetimeFigureOut">
               <a:rPr lang="ru-RU" smtClean="0"/>
-              <a:t>06.07.2015</a:t>
+              <a:t>07.07.2015</a:t>
             </a:fld>
             <a:endParaRPr lang="ru-RU" dirty="0"/>
           </a:p>
@@ -1312,7 +1311,7 @@
           <a:p>
             <a:fld id="{ED7A5A9E-355E-4F5A-82F5-195339D13266}" type="datetimeFigureOut">
               <a:rPr lang="ru-RU" smtClean="0"/>
-              <a:t>06.07.2015</a:t>
+              <a:t>07.07.2015</a:t>
             </a:fld>
             <a:endParaRPr lang="ru-RU" dirty="0"/>
           </a:p>
@@ -1560,7 +1559,7 @@
           <a:p>
             <a:fld id="{ED7A5A9E-355E-4F5A-82F5-195339D13266}" type="datetimeFigureOut">
               <a:rPr lang="ru-RU" smtClean="0"/>
-              <a:t>06.07.2015</a:t>
+              <a:t>07.07.2015</a:t>
             </a:fld>
             <a:endParaRPr lang="ru-RU" dirty="0"/>
           </a:p>
@@ -1855,7 +1854,7 @@
           <a:p>
             <a:fld id="{ED7A5A9E-355E-4F5A-82F5-195339D13266}" type="datetimeFigureOut">
               <a:rPr lang="ru-RU" smtClean="0"/>
-              <a:t>06.07.2015</a:t>
+              <a:t>07.07.2015</a:t>
             </a:fld>
             <a:endParaRPr lang="ru-RU" dirty="0"/>
           </a:p>
@@ -2277,7 +2276,7 @@
           <a:p>
             <a:fld id="{ED7A5A9E-355E-4F5A-82F5-195339D13266}" type="datetimeFigureOut">
               <a:rPr lang="ru-RU" smtClean="0"/>
-              <a:t>06.07.2015</a:t>
+              <a:t>07.07.2015</a:t>
             </a:fld>
             <a:endParaRPr lang="ru-RU" dirty="0"/>
           </a:p>
@@ -2395,7 +2394,7 @@
           <a:p>
             <a:fld id="{ED7A5A9E-355E-4F5A-82F5-195339D13266}" type="datetimeFigureOut">
               <a:rPr lang="ru-RU" smtClean="0"/>
-              <a:t>06.07.2015</a:t>
+              <a:t>07.07.2015</a:t>
             </a:fld>
             <a:endParaRPr lang="ru-RU" dirty="0"/>
           </a:p>
@@ -2490,7 +2489,7 @@
           <a:p>
             <a:fld id="{ED7A5A9E-355E-4F5A-82F5-195339D13266}" type="datetimeFigureOut">
               <a:rPr lang="ru-RU" smtClean="0"/>
-              <a:t>06.07.2015</a:t>
+              <a:t>07.07.2015</a:t>
             </a:fld>
             <a:endParaRPr lang="ru-RU" dirty="0"/>
           </a:p>
@@ -2767,7 +2766,7 @@
           <a:p>
             <a:fld id="{ED7A5A9E-355E-4F5A-82F5-195339D13266}" type="datetimeFigureOut">
               <a:rPr lang="ru-RU" smtClean="0"/>
-              <a:t>06.07.2015</a:t>
+              <a:t>07.07.2015</a:t>
             </a:fld>
             <a:endParaRPr lang="ru-RU" dirty="0"/>
           </a:p>
@@ -3020,7 +3019,7 @@
           <a:p>
             <a:fld id="{ED7A5A9E-355E-4F5A-82F5-195339D13266}" type="datetimeFigureOut">
               <a:rPr lang="ru-RU" smtClean="0"/>
-              <a:t>06.07.2015</a:t>
+              <a:t>07.07.2015</a:t>
             </a:fld>
             <a:endParaRPr lang="ru-RU" dirty="0"/>
           </a:p>
@@ -3233,7 +3232,7 @@
           <a:p>
             <a:fld id="{ED7A5A9E-355E-4F5A-82F5-195339D13266}" type="datetimeFigureOut">
               <a:rPr lang="ru-RU" smtClean="0"/>
-              <a:t>06.07.2015</a:t>
+              <a:t>07.07.2015</a:t>
             </a:fld>
             <a:endParaRPr lang="ru-RU" dirty="0"/>
           </a:p>
@@ -12824,11 +12823,7 @@
             </a:r>
             <a:r>
               <a:rPr lang="en-US" dirty="0" smtClean="0"/>
-              <a:t> </a:t>
-            </a:r>
-            <a:r>
-              <a:rPr lang="en-US" dirty="0" smtClean="0"/>
-              <a:t>(</a:t>
+              <a:t> (</a:t>
             </a:r>
             <a:r>
               <a:rPr lang="ru-RU" dirty="0"/>
@@ -14088,34 +14083,90 @@
           <a:chExt cx="0" cy="0"/>
         </a:xfrm>
       </p:grpSpPr>
-      <p:pic>
-        <p:nvPicPr>
-          <p:cNvPr id="7" name="Рисунок 6"/>
-          <p:cNvPicPr>
-            <a:picLocks noChangeAspect="1"/>
-          </p:cNvPicPr>
-          <p:nvPr/>
-        </p:nvPicPr>
-        <p:blipFill>
-          <a:blip r:embed="rId2"/>
-          <a:stretch>
-            <a:fillRect/>
-          </a:stretch>
-        </p:blipFill>
-        <p:spPr>
-          <a:xfrm>
-            <a:off x="1857375" y="0"/>
-            <a:ext cx="5495926" cy="6461029"/>
-          </a:xfrm>
-          <a:prstGeom prst="rect">
-            <a:avLst/>
-          </a:prstGeom>
-        </p:spPr>
-      </p:pic>
+      <p:sp>
+        <p:nvSpPr>
+          <p:cNvPr id="2" name="Заголовок 1"/>
+          <p:cNvSpPr>
+            <a:spLocks noGrp="1"/>
+          </p:cNvSpPr>
+          <p:nvPr>
+            <p:ph type="title"/>
+          </p:nvPr>
+        </p:nvSpPr>
+        <p:spPr/>
+        <p:txBody>
+          <a:bodyPr/>
+          <a:lstStyle/>
+          <a:p>
+            <a:r>
+              <a:rPr lang="ru-RU" dirty="0" smtClean="0"/>
+              <a:t>Алгоритм работы с </a:t>
+            </a:r>
+            <a:r>
+              <a:rPr lang="ru-RU" dirty="0" err="1" smtClean="0"/>
+              <a:t>легаси</a:t>
+            </a:r>
+            <a:endParaRPr lang="ru-RU" dirty="0"/>
+          </a:p>
+        </p:txBody>
+      </p:sp>
+      <p:sp>
+        <p:nvSpPr>
+          <p:cNvPr id="3" name="Объект 2"/>
+          <p:cNvSpPr>
+            <a:spLocks noGrp="1"/>
+          </p:cNvSpPr>
+          <p:nvPr>
+            <p:ph idx="1"/>
+          </p:nvPr>
+        </p:nvSpPr>
+        <p:spPr/>
+        <p:txBody>
+          <a:bodyPr>
+            <a:normAutofit/>
+          </a:bodyPr>
+          <a:lstStyle/>
+          <a:p>
+            <a:r>
+              <a:rPr lang="ru-RU" sz="2800" dirty="0" smtClean="0"/>
+              <a:t>Найти место, в котором нужно что-то изменить</a:t>
+            </a:r>
+          </a:p>
+          <a:p>
+            <a:r>
+              <a:rPr lang="ru-RU" sz="2800" dirty="0" smtClean="0"/>
+              <a:t>Понять какие тесты для этого нужно написать</a:t>
+            </a:r>
+          </a:p>
+          <a:p>
+            <a:r>
+              <a:rPr lang="ru-RU" sz="2800" dirty="0" smtClean="0"/>
+              <a:t>Изолировать или избавиться от мешающих зависимостей</a:t>
+            </a:r>
+          </a:p>
+          <a:p>
+            <a:r>
+              <a:rPr lang="ru-RU" sz="2800" dirty="0" smtClean="0"/>
+              <a:t>Написать тесты</a:t>
+            </a:r>
+          </a:p>
+          <a:p>
+            <a:r>
+              <a:rPr lang="ru-RU" sz="2800" dirty="0" err="1" smtClean="0"/>
+              <a:t>Рефакторить</a:t>
+            </a:r>
+            <a:r>
+              <a:rPr lang="ru-RU" sz="2800" dirty="0" smtClean="0"/>
+              <a:t> и писать красивые тесты</a:t>
+            </a:r>
+            <a:endParaRPr lang="ru-RU" sz="2800" dirty="0"/>
+          </a:p>
+        </p:txBody>
+      </p:sp>
     </p:spTree>
     <p:extLst>
       <p:ext uri="{BB962C8B-B14F-4D97-AF65-F5344CB8AC3E}">
-        <p14:creationId xmlns:p14="http://schemas.microsoft.com/office/powerpoint/2010/main" val="266325302"/>
+        <p14:creationId xmlns:p14="http://schemas.microsoft.com/office/powerpoint/2010/main" val="16060540"/>
       </p:ext>
     </p:extLst>
   </p:cSld>
@@ -14166,11 +14217,7 @@
           <a:p>
             <a:r>
               <a:rPr lang="ru-RU" dirty="0" smtClean="0"/>
-              <a:t>Алгоритм работы с </a:t>
-            </a:r>
-            <a:r>
-              <a:rPr lang="ru-RU" dirty="0" err="1" smtClean="0"/>
-              <a:t>легаси</a:t>
+              <a:t>Характеризационный тест</a:t>
             </a:r>
             <a:endParaRPr lang="ru-RU" dirty="0"/>
           </a:p>
@@ -14193,46 +14240,50 @@
           </a:bodyPr>
           <a:lstStyle/>
           <a:p>
+            <a:pPr marL="0" indent="0">
+              <a:buNone/>
+            </a:pPr>
             <a:r>
               <a:rPr lang="ru-RU" sz="2800" dirty="0" smtClean="0"/>
-              <a:t>Найти место, в котором нужно что-то изменить</a:t>
-            </a:r>
-          </a:p>
-          <a:p>
-            <a:r>
+              <a:t>Тест, возможно с плохим дизайном, </a:t>
+            </a:r>
+            <a:br>
               <a:rPr lang="ru-RU" sz="2800" dirty="0" smtClean="0"/>
-              <a:t>Понять какие тесты для этого нужно написать</a:t>
-            </a:r>
-          </a:p>
-          <a:p>
+            </a:br>
             <a:r>
               <a:rPr lang="ru-RU" sz="2800" dirty="0" smtClean="0"/>
-              <a:t>Изолировать или избавиться от мешающих зависимостей</a:t>
-            </a:r>
-          </a:p>
-          <a:p>
+              <a:t>но достаточно полно фиксирующий текущее поведение подсистемы</a:t>
+            </a:r>
+          </a:p>
+          <a:p>
+            <a:pPr marL="514350" indent="-514350">
+              <a:buAutoNum type="arabicPeriod"/>
+            </a:pPr>
             <a:r>
               <a:rPr lang="ru-RU" sz="2800" dirty="0" smtClean="0"/>
-              <a:t>Написать тесты</a:t>
-            </a:r>
-          </a:p>
-          <a:p>
-            <a:r>
-              <a:rPr lang="ru-RU" sz="2800" dirty="0" err="1" smtClean="0"/>
-              <a:t>Рефакторить</a:t>
-            </a:r>
+              <a:t>Делаем разные вызовы, записываем результат вызова в </a:t>
+            </a:r>
+            <a:r>
+              <a:rPr lang="en-US" sz="2800" dirty="0" smtClean="0"/>
+              <a:t>Assert</a:t>
+            </a:r>
+            <a:endParaRPr lang="ru-RU" sz="2800" dirty="0"/>
+          </a:p>
+          <a:p>
+            <a:pPr marL="514350" indent="-514350">
+              <a:buAutoNum type="arabicPeriod"/>
+            </a:pPr>
             <a:r>
               <a:rPr lang="ru-RU" sz="2800" dirty="0" smtClean="0"/>
-              <a:t> и писать красивые тесты</a:t>
-            </a:r>
-            <a:endParaRPr lang="ru-RU" sz="2800" dirty="0"/>
+              <a:t>Генерируем входные данные случайно, запоминаем результат</a:t>
+            </a:r>
           </a:p>
         </p:txBody>
       </p:sp>
     </p:spTree>
     <p:extLst>
       <p:ext uri="{BB962C8B-B14F-4D97-AF65-F5344CB8AC3E}">
-        <p14:creationId xmlns:p14="http://schemas.microsoft.com/office/powerpoint/2010/main" val="16060540"/>
+        <p14:creationId xmlns:p14="http://schemas.microsoft.com/office/powerpoint/2010/main" val="1762916202"/>
       </p:ext>
     </p:extLst>
   </p:cSld>
@@ -14283,7 +14334,7 @@
           <a:p>
             <a:r>
               <a:rPr lang="ru-RU" dirty="0" smtClean="0"/>
-              <a:t>Характеризационный тест</a:t>
+              <a:t>Грязные штучки</a:t>
             </a:r>
             <a:endParaRPr lang="ru-RU" dirty="0"/>
           </a:p>
@@ -14301,55 +14352,49 @@
         </p:nvSpPr>
         <p:spPr/>
         <p:txBody>
-          <a:bodyPr>
-            <a:normAutofit/>
-          </a:bodyPr>
+          <a:bodyPr/>
           <a:lstStyle/>
           <a:p>
-            <a:pPr marL="0" indent="0">
-              <a:buNone/>
-            </a:pPr>
-            <a:r>
-              <a:rPr lang="ru-RU" sz="2800" dirty="0" smtClean="0"/>
-              <a:t>Тест, возможно с плохим дизайном, </a:t>
-            </a:r>
-            <a:br>
-              <a:rPr lang="ru-RU" sz="2800" dirty="0" smtClean="0"/>
-            </a:br>
-            <a:r>
-              <a:rPr lang="ru-RU" sz="2800" dirty="0" smtClean="0"/>
-              <a:t>но достаточно полно фиксирующий текущее поведение подсистемы</a:t>
-            </a:r>
-          </a:p>
-          <a:p>
-            <a:pPr marL="514350" indent="-514350">
-              <a:buAutoNum type="arabicPeriod"/>
-            </a:pPr>
-            <a:r>
-              <a:rPr lang="ru-RU" sz="2800" dirty="0" smtClean="0"/>
-              <a:t>Делаем разные вызовы, записываем результат вызова в </a:t>
-            </a:r>
-            <a:r>
-              <a:rPr lang="en-US" sz="2800" dirty="0" smtClean="0"/>
-              <a:t>Assert</a:t>
-            </a:r>
-            <a:endParaRPr lang="ru-RU" sz="2800" dirty="0"/>
-          </a:p>
-          <a:p>
-            <a:pPr marL="514350" indent="-514350">
-              <a:buAutoNum type="arabicPeriod"/>
-            </a:pPr>
-            <a:r>
-              <a:rPr lang="ru-RU" sz="2800" dirty="0" smtClean="0"/>
-              <a:t>Генерируем входные данные случайно, запоминаем результат</a:t>
-            </a:r>
+            <a:r>
+              <a:rPr lang="ru-RU" dirty="0" smtClean="0"/>
+              <a:t>Подменить </a:t>
+            </a:r>
+            <a:r>
+              <a:rPr lang="en-US" dirty="0" err="1" smtClean="0"/>
+              <a:t>Console.Out</a:t>
+            </a:r>
+            <a:r>
+              <a:rPr lang="ru-RU" dirty="0" smtClean="0"/>
+              <a:t> и запомнить вывод</a:t>
+            </a:r>
+          </a:p>
+          <a:p>
+            <a:r>
+              <a:rPr lang="ru-RU" dirty="0" smtClean="0"/>
+              <a:t>Добавить </a:t>
+            </a:r>
+            <a:r>
+              <a:rPr lang="ru-RU" dirty="0" err="1" smtClean="0"/>
+              <a:t>логгирования</a:t>
+            </a:r>
+            <a:r>
+              <a:rPr lang="ru-RU" dirty="0" smtClean="0"/>
+              <a:t> и запомнить лог</a:t>
+            </a:r>
+          </a:p>
+          <a:p>
+            <a:r>
+              <a:rPr lang="ru-RU" dirty="0" smtClean="0"/>
+              <a:t>...</a:t>
+            </a:r>
+            <a:endParaRPr lang="ru-RU" dirty="0"/>
           </a:p>
         </p:txBody>
       </p:sp>
     </p:spTree>
     <p:extLst>
       <p:ext uri="{BB962C8B-B14F-4D97-AF65-F5344CB8AC3E}">
-        <p14:creationId xmlns:p14="http://schemas.microsoft.com/office/powerpoint/2010/main" val="1762916202"/>
+        <p14:creationId xmlns:p14="http://schemas.microsoft.com/office/powerpoint/2010/main" val="2206628129"/>
       </p:ext>
     </p:extLst>
   </p:cSld>
@@ -14395,12 +14440,14 @@
         </p:nvSpPr>
         <p:spPr/>
         <p:txBody>
-          <a:bodyPr/>
+          <a:bodyPr>
+            <a:normAutofit fontScale="90000"/>
+          </a:bodyPr>
           <a:lstStyle/>
           <a:p>
             <a:r>
               <a:rPr lang="ru-RU" dirty="0" smtClean="0"/>
-              <a:t>Грязные штучки</a:t>
+              <a:t>Избавиться от зависимостей</a:t>
             </a:r>
             <a:endParaRPr lang="ru-RU" dirty="0"/>
           </a:p>
@@ -14418,41 +14465,151 @@
         </p:nvSpPr>
         <p:spPr/>
         <p:txBody>
-          <a:bodyPr/>
+          <a:bodyPr>
+            <a:normAutofit fontScale="92500" lnSpcReduction="10000"/>
+          </a:bodyPr>
           <a:lstStyle/>
           <a:p>
+            <a:pPr marL="514350" indent="-514350">
+              <a:buAutoNum type="arabicPeriod"/>
+            </a:pPr>
+            <a:r>
+              <a:rPr lang="en-US" sz="4400" b="1" dirty="0" smtClean="0"/>
+              <a:t>Extract Method (DEP)</a:t>
+            </a:r>
+            <a:endParaRPr lang="ru-RU" sz="4400" b="1" dirty="0" smtClean="0"/>
+          </a:p>
+          <a:p>
+            <a:pPr marL="514350" indent="-514350">
+              <a:buAutoNum type="arabicPeriod"/>
+            </a:pPr>
+            <a:r>
+              <a:rPr lang="en-US" sz="3600" b="1" dirty="0" smtClean="0"/>
+              <a:t>Extract Interface (DIP)</a:t>
+            </a:r>
+          </a:p>
+          <a:p>
+            <a:pPr marL="514350" indent="-514350">
+              <a:buAutoNum type="arabicPeriod"/>
+            </a:pPr>
             <a:r>
               <a:rPr lang="ru-RU" dirty="0" smtClean="0"/>
-              <a:t>Подменить </a:t>
-            </a:r>
-            <a:r>
-              <a:rPr lang="en-US" dirty="0" err="1" smtClean="0"/>
-              <a:t>Console.Out</a:t>
+              <a:t>Изолировать </a:t>
+            </a:r>
+            <a:r>
+              <a:rPr lang="ru-RU" dirty="0"/>
+              <a:t>неудобную зависимость </a:t>
             </a:r>
             <a:r>
               <a:rPr lang="ru-RU" dirty="0" smtClean="0"/>
-              <a:t> и запомнить вывод</a:t>
-            </a:r>
-          </a:p>
-          <a:p>
-            <a:r>
+              <a:t/>
+            </a:r>
+            <a:br>
               <a:rPr lang="ru-RU" dirty="0" smtClean="0"/>
-              <a:t>Добавить </a:t>
-            </a:r>
-            <a:r>
-              <a:rPr lang="ru-RU" dirty="0" err="1" smtClean="0"/>
-              <a:t>логгирования</a:t>
-            </a:r>
+            </a:br>
             <a:r>
               <a:rPr lang="ru-RU" dirty="0" smtClean="0"/>
-              <a:t> и запомнить лог</a:t>
-            </a:r>
-          </a:p>
-          <a:p>
+              <a:t>в </a:t>
+            </a:r>
+            <a:r>
+              <a:rPr lang="ru-RU" dirty="0"/>
+              <a:t>виртуальный метод и </a:t>
+            </a:r>
             <a:r>
               <a:rPr lang="ru-RU" dirty="0" smtClean="0"/>
-              <a:t>...</a:t>
-            </a:r>
+              <a:t>переопределить </a:t>
+            </a:r>
+            <a:br>
+              <a:rPr lang="ru-RU" dirty="0" smtClean="0"/>
+            </a:br>
+            <a:r>
+              <a:rPr lang="ru-RU" dirty="0" smtClean="0"/>
+              <a:t>в </a:t>
+            </a:r>
+            <a:r>
+              <a:rPr lang="ru-RU" dirty="0"/>
+              <a:t>тестовом </a:t>
+            </a:r>
+            <a:r>
+              <a:rPr lang="ru-RU" dirty="0" smtClean="0"/>
+              <a:t>наследнике.</a:t>
+            </a:r>
+            <a:endParaRPr lang="en-US" dirty="0" smtClean="0"/>
+          </a:p>
+          <a:p>
+            <a:pPr marL="514350" indent="-514350">
+              <a:buAutoNum type="arabicPeriod"/>
+            </a:pPr>
+            <a:r>
+              <a:rPr lang="ru-RU" dirty="0" smtClean="0">
+                <a:solidFill>
+                  <a:schemeClr val="bg1">
+                    <a:lumMod val="50000"/>
+                  </a:schemeClr>
+                </a:solidFill>
+              </a:rPr>
+              <a:t>В </a:t>
+            </a:r>
+            <a:r>
+              <a:rPr lang="ru-RU" dirty="0">
+                <a:solidFill>
+                  <a:schemeClr val="bg1">
+                    <a:lumMod val="50000"/>
+                  </a:schemeClr>
+                </a:solidFill>
+              </a:rPr>
+              <a:t>зависимости от глобального флажка использовать тестовую зависимость вместо </a:t>
+            </a:r>
+            <a:r>
+              <a:rPr lang="ru-RU" dirty="0" smtClean="0">
+                <a:solidFill>
+                  <a:schemeClr val="bg1">
+                    <a:lumMod val="50000"/>
+                  </a:schemeClr>
+                </a:solidFill>
+              </a:rPr>
+              <a:t>реальной</a:t>
+            </a:r>
+            <a:endParaRPr lang="en-US" dirty="0" smtClean="0">
+              <a:solidFill>
+                <a:schemeClr val="bg1">
+                  <a:lumMod val="50000"/>
+                </a:schemeClr>
+              </a:solidFill>
+            </a:endParaRPr>
+          </a:p>
+          <a:p>
+            <a:pPr marL="514350" indent="-514350">
+              <a:buAutoNum type="arabicPeriod"/>
+            </a:pPr>
+            <a:r>
+              <a:rPr lang="ru-RU" i="1" dirty="0" smtClean="0">
+                <a:solidFill>
+                  <a:schemeClr val="bg1">
+                    <a:lumMod val="75000"/>
+                  </a:schemeClr>
+                </a:solidFill>
+              </a:rPr>
+              <a:t>Прочие грязные трюки</a:t>
+            </a:r>
+            <a:endParaRPr lang="ru-RU" i="1" dirty="0">
+              <a:solidFill>
+                <a:schemeClr val="bg1">
+                  <a:lumMod val="75000"/>
+                </a:schemeClr>
+              </a:solidFill>
+            </a:endParaRPr>
+          </a:p>
+          <a:p>
+            <a:pPr marL="514350" indent="-514350">
+              <a:buAutoNum type="arabicPeriod"/>
+            </a:pPr>
+            <a:endParaRPr lang="en-US" dirty="0" smtClean="0"/>
+          </a:p>
+          <a:p>
+            <a:pPr marL="0" indent="0">
+              <a:buNone/>
+            </a:pPr>
             <a:endParaRPr lang="ru-RU" dirty="0"/>
           </a:p>
         </p:txBody>
@@ -14460,7 +14617,7 @@
     </p:spTree>
     <p:extLst>
       <p:ext uri="{BB962C8B-B14F-4D97-AF65-F5344CB8AC3E}">
-        <p14:creationId xmlns:p14="http://schemas.microsoft.com/office/powerpoint/2010/main" val="2206628129"/>
+        <p14:creationId xmlns:p14="http://schemas.microsoft.com/office/powerpoint/2010/main" val="3694984174"/>
       </p:ext>
     </p:extLst>
   </p:cSld>
@@ -14506,229 +14663,6 @@
         </p:nvSpPr>
         <p:spPr/>
         <p:txBody>
-          <a:bodyPr>
-            <a:normAutofit fontScale="90000"/>
-          </a:bodyPr>
-          <a:lstStyle/>
-          <a:p>
-            <a:r>
-              <a:rPr lang="ru-RU" dirty="0" smtClean="0"/>
-              <a:t>Избавиться от зависимостей</a:t>
-            </a:r>
-            <a:endParaRPr lang="ru-RU" dirty="0"/>
-          </a:p>
-        </p:txBody>
-      </p:sp>
-      <p:sp>
-        <p:nvSpPr>
-          <p:cNvPr id="3" name="Объект 2"/>
-          <p:cNvSpPr>
-            <a:spLocks noGrp="1"/>
-          </p:cNvSpPr>
-          <p:nvPr>
-            <p:ph idx="1"/>
-          </p:nvPr>
-        </p:nvSpPr>
-        <p:spPr/>
-        <p:txBody>
-          <a:bodyPr>
-            <a:normAutofit fontScale="92500" lnSpcReduction="10000"/>
-          </a:bodyPr>
-          <a:lstStyle/>
-          <a:p>
-            <a:pPr marL="514350" indent="-514350">
-              <a:buAutoNum type="arabicPeriod"/>
-            </a:pPr>
-            <a:r>
-              <a:rPr lang="en-US" sz="4400" b="1" dirty="0" smtClean="0"/>
-              <a:t>Extract Method (DEP)</a:t>
-            </a:r>
-            <a:endParaRPr lang="ru-RU" sz="4400" b="1" dirty="0" smtClean="0"/>
-          </a:p>
-          <a:p>
-            <a:pPr marL="514350" indent="-514350">
-              <a:buAutoNum type="arabicPeriod"/>
-            </a:pPr>
-            <a:r>
-              <a:rPr lang="en-US" sz="3600" b="1" dirty="0" smtClean="0"/>
-              <a:t>Extract Interface (DIP)</a:t>
-            </a:r>
-          </a:p>
-          <a:p>
-            <a:pPr marL="514350" indent="-514350">
-              <a:buAutoNum type="arabicPeriod"/>
-            </a:pPr>
-            <a:r>
-              <a:rPr lang="ru-RU" dirty="0" smtClean="0"/>
-              <a:t>Изолировать </a:t>
-            </a:r>
-            <a:r>
-              <a:rPr lang="ru-RU" dirty="0"/>
-              <a:t>неудобную зависимость </a:t>
-            </a:r>
-            <a:r>
-              <a:rPr lang="ru-RU" dirty="0" smtClean="0"/>
-              <a:t/>
-            </a:r>
-            <a:br>
-              <a:rPr lang="ru-RU" dirty="0" smtClean="0"/>
-            </a:br>
-            <a:r>
-              <a:rPr lang="ru-RU" dirty="0" smtClean="0"/>
-              <a:t>в </a:t>
-            </a:r>
-            <a:r>
-              <a:rPr lang="ru-RU" dirty="0"/>
-              <a:t>виртуальный метод и </a:t>
-            </a:r>
-            <a:r>
-              <a:rPr lang="ru-RU" dirty="0" smtClean="0"/>
-              <a:t>переопределить </a:t>
-            </a:r>
-            <a:br>
-              <a:rPr lang="ru-RU" dirty="0" smtClean="0"/>
-            </a:br>
-            <a:r>
-              <a:rPr lang="ru-RU" dirty="0" smtClean="0"/>
-              <a:t>в </a:t>
-            </a:r>
-            <a:r>
-              <a:rPr lang="ru-RU" dirty="0"/>
-              <a:t>тестовом </a:t>
-            </a:r>
-            <a:r>
-              <a:rPr lang="ru-RU" dirty="0" smtClean="0"/>
-              <a:t>наследнике.</a:t>
-            </a:r>
-            <a:endParaRPr lang="en-US" dirty="0" smtClean="0"/>
-          </a:p>
-          <a:p>
-            <a:pPr marL="514350" indent="-514350">
-              <a:buAutoNum type="arabicPeriod"/>
-            </a:pPr>
-            <a:r>
-              <a:rPr lang="ru-RU" dirty="0" smtClean="0">
-                <a:solidFill>
-                  <a:schemeClr val="bg1">
-                    <a:lumMod val="50000"/>
-                  </a:schemeClr>
-                </a:solidFill>
-              </a:rPr>
-              <a:t>В </a:t>
-            </a:r>
-            <a:r>
-              <a:rPr lang="ru-RU" dirty="0">
-                <a:solidFill>
-                  <a:schemeClr val="bg1">
-                    <a:lumMod val="50000"/>
-                  </a:schemeClr>
-                </a:solidFill>
-              </a:rPr>
-              <a:t>зависимости от глобального флажка использовать тестовую зависимость вместо </a:t>
-            </a:r>
-            <a:r>
-              <a:rPr lang="ru-RU" dirty="0" smtClean="0">
-                <a:solidFill>
-                  <a:schemeClr val="bg1">
-                    <a:lumMod val="50000"/>
-                  </a:schemeClr>
-                </a:solidFill>
-              </a:rPr>
-              <a:t>реальной</a:t>
-            </a:r>
-            <a:endParaRPr lang="en-US" dirty="0" smtClean="0">
-              <a:solidFill>
-                <a:schemeClr val="bg1">
-                  <a:lumMod val="50000"/>
-                </a:schemeClr>
-              </a:solidFill>
-            </a:endParaRPr>
-          </a:p>
-          <a:p>
-            <a:pPr marL="514350" indent="-514350">
-              <a:buAutoNum type="arabicPeriod"/>
-            </a:pPr>
-            <a:r>
-              <a:rPr lang="ru-RU" i="1" dirty="0" smtClean="0">
-                <a:solidFill>
-                  <a:schemeClr val="bg1">
-                    <a:lumMod val="75000"/>
-                  </a:schemeClr>
-                </a:solidFill>
-              </a:rPr>
-              <a:t>Прочие грязные трюки</a:t>
-            </a:r>
-            <a:endParaRPr lang="ru-RU" i="1" dirty="0">
-              <a:solidFill>
-                <a:schemeClr val="bg1">
-                  <a:lumMod val="75000"/>
-                </a:schemeClr>
-              </a:solidFill>
-            </a:endParaRPr>
-          </a:p>
-          <a:p>
-            <a:pPr marL="514350" indent="-514350">
-              <a:buAutoNum type="arabicPeriod"/>
-            </a:pPr>
-            <a:endParaRPr lang="en-US" dirty="0" smtClean="0"/>
-          </a:p>
-          <a:p>
-            <a:pPr marL="0" indent="0">
-              <a:buNone/>
-            </a:pPr>
-            <a:endParaRPr lang="ru-RU" dirty="0"/>
-          </a:p>
-        </p:txBody>
-      </p:sp>
-    </p:spTree>
-    <p:extLst>
-      <p:ext uri="{BB962C8B-B14F-4D97-AF65-F5344CB8AC3E}">
-        <p14:creationId xmlns:p14="http://schemas.microsoft.com/office/powerpoint/2010/main" val="3694984174"/>
-      </p:ext>
-    </p:extLst>
-  </p:cSld>
-  <p:clrMapOvr>
-    <a:masterClrMapping/>
-  </p:clrMapOvr>
-  <p:timing>
-    <p:tnLst>
-      <p:par>
-        <p:cTn id="1" dur="indefinite" restart="never" nodeType="tmRoot"/>
-      </p:par>
-    </p:tnLst>
-  </p:timing>
-</p:sld>
-</file>
-
-<file path=ppt/slides/slide36.xml><?xml version="1.0" encoding="utf-8"?>
-<p:sld xmlns:a="http://schemas.openxmlformats.org/drawingml/2006/main" xmlns:r="http://schemas.openxmlformats.org/officeDocument/2006/relationships" xmlns:p="http://schemas.openxmlformats.org/presentationml/2006/main">
-  <p:cSld>
-    <p:spTree>
-      <p:nvGrpSpPr>
-        <p:cNvPr id="1" name=""/>
-        <p:cNvGrpSpPr/>
-        <p:nvPr/>
-      </p:nvGrpSpPr>
-      <p:grpSpPr>
-        <a:xfrm>
-          <a:off x="0" y="0"/>
-          <a:ext cx="0" cy="0"/>
-          <a:chOff x="0" y="0"/>
-          <a:chExt cx="0" cy="0"/>
-        </a:xfrm>
-      </p:grpSpPr>
-      <p:sp>
-        <p:nvSpPr>
-          <p:cNvPr id="2" name="Заголовок 1"/>
-          <p:cNvSpPr>
-            <a:spLocks noGrp="1"/>
-          </p:cNvSpPr>
-          <p:nvPr>
-            <p:ph type="title"/>
-          </p:nvPr>
-        </p:nvSpPr>
-        <p:spPr/>
-        <p:txBody>
           <a:bodyPr/>
           <a:lstStyle/>
           <a:p>
@@ -14862,7 +14796,7 @@
 </p:sld>
 </file>
 
-<file path=ppt/slides/slide37.xml><?xml version="1.0" encoding="utf-8"?>
+<file path=ppt/slides/slide36.xml><?xml version="1.0" encoding="utf-8"?>
 <p:sld xmlns:a="http://schemas.openxmlformats.org/drawingml/2006/main" xmlns:r="http://schemas.openxmlformats.org/officeDocument/2006/relationships" xmlns:p="http://schemas.openxmlformats.org/presentationml/2006/main">
   <p:cSld>
     <p:spTree>
@@ -14954,7 +14888,7 @@
 </p:sld>
 </file>
 
-<file path=ppt/slides/slide38.xml><?xml version="1.0" encoding="utf-8"?>
+<file path=ppt/slides/slide37.xml><?xml version="1.0" encoding="utf-8"?>
 <p:sld xmlns:a="http://schemas.openxmlformats.org/drawingml/2006/main" xmlns:r="http://schemas.openxmlformats.org/officeDocument/2006/relationships" xmlns:p="http://schemas.openxmlformats.org/presentationml/2006/main">
   <p:cSld>
     <p:spTree>
@@ -16094,6 +16028,13 @@
   <p:clrMapOvr>
     <a:masterClrMapping/>
   </p:clrMapOvr>
+  <p:timing>
+    <p:tnLst>
+      <p:par>
+        <p:cTn id="1" dur="indefinite" restart="never" nodeType="tmRoot"/>
+      </p:par>
+    </p:tnLst>
+  </p:timing>
 </p:sld>
 </file>
 

--- a/day2.pptx
+++ b/day2.pptx
@@ -5,7 +5,7 @@
     <p:sldMasterId id="2147483780" r:id="rId1"/>
   </p:sldMasterIdLst>
   <p:notesMasterIdLst>
-    <p:notesMasterId r:id="rId38"/>
+    <p:notesMasterId r:id="rId40"/>
   </p:notesMasterIdLst>
   <p:sldIdLst>
     <p:sldId id="256" r:id="rId2"/>
@@ -43,7 +43,9 @@
     <p:sldId id="300" r:id="rId34"/>
     <p:sldId id="304" r:id="rId35"/>
     <p:sldId id="305" r:id="rId36"/>
-    <p:sldId id="262" r:id="rId37"/>
+    <p:sldId id="311" r:id="rId37"/>
+    <p:sldId id="262" r:id="rId38"/>
+    <p:sldId id="312" r:id="rId39"/>
   </p:sldIdLst>
   <p:sldSz cx="9144000" cy="6858000" type="screen4x3"/>
   <p:notesSz cx="6858000" cy="9144000"/>
@@ -14915,14 +14917,16 @@
         </p:nvSpPr>
         <p:spPr/>
         <p:txBody>
-          <a:bodyPr/>
+          <a:bodyPr>
+            <a:noAutofit/>
+          </a:bodyPr>
           <a:lstStyle/>
           <a:p>
             <a:r>
-              <a:rPr lang="en-US" dirty="0" smtClean="0"/>
-              <a:t>Tests pyramid</a:t>
-            </a:r>
-            <a:endParaRPr lang="ru-RU" dirty="0"/>
+              <a:rPr lang="en-US" sz="4400" dirty="0" err="1"/>
+              <a:t>NewRateEmailMessageManager</a:t>
+            </a:r>
+            <a:endParaRPr lang="ru-RU" sz="4400" dirty="0"/>
           </a:p>
         </p:txBody>
       </p:sp>
@@ -14941,6 +14945,48 @@
           <a:bodyPr/>
           <a:lstStyle/>
           <a:p>
+            <a:r>
+              <a:rPr lang="ru-RU" dirty="0" smtClean="0"/>
+              <a:t>Покрыть </a:t>
+            </a:r>
+            <a:r>
+              <a:rPr lang="ru-RU" dirty="0" err="1" smtClean="0"/>
+              <a:t>характеризационными</a:t>
+            </a:r>
+            <a:r>
+              <a:rPr lang="ru-RU" dirty="0" smtClean="0"/>
+              <a:t> тестами</a:t>
+            </a:r>
+          </a:p>
+          <a:p>
+            <a:r>
+              <a:rPr lang="ru-RU" dirty="0" err="1" smtClean="0"/>
+              <a:t>Отрефакторить</a:t>
+            </a:r>
+            <a:endParaRPr lang="ru-RU" dirty="0" smtClean="0"/>
+          </a:p>
+          <a:p>
+            <a:r>
+              <a:rPr lang="ru-RU" dirty="0" smtClean="0"/>
+              <a:t>Наметить новые тесты</a:t>
+            </a:r>
+          </a:p>
+          <a:p>
+            <a:endParaRPr lang="ru-RU" dirty="0"/>
+          </a:p>
+          <a:p>
+            <a:r>
+              <a:rPr lang="ru-RU" dirty="0" smtClean="0"/>
+              <a:t>Изучите </a:t>
+            </a:r>
+            <a:r>
+              <a:rPr lang="en-US" dirty="0" err="1" smtClean="0"/>
+              <a:t>CombinationApprovals</a:t>
+            </a:r>
+            <a:r>
+              <a:rPr lang="ru-RU" dirty="0" smtClean="0"/>
+              <a:t>.</a:t>
+            </a:r>
             <a:endParaRPr lang="ru-RU" dirty="0"/>
           </a:p>
         </p:txBody>
@@ -14948,7 +14994,185 @@
     </p:spTree>
     <p:extLst>
       <p:ext uri="{BB962C8B-B14F-4D97-AF65-F5344CB8AC3E}">
+        <p14:creationId xmlns:p14="http://schemas.microsoft.com/office/powerpoint/2010/main" val="2650650379"/>
+      </p:ext>
+    </p:extLst>
+  </p:cSld>
+  <p:clrMapOvr>
+    <a:masterClrMapping/>
+  </p:clrMapOvr>
+  <p:timing>
+    <p:tnLst>
+      <p:par>
+        <p:cTn id="1" dur="indefinite" restart="never" nodeType="tmRoot"/>
+      </p:par>
+    </p:tnLst>
+  </p:timing>
+</p:sld>
+</file>
+
+<file path=ppt/slides/slide37.xml><?xml version="1.0" encoding="utf-8"?>
+<p:sld xmlns:a="http://schemas.openxmlformats.org/drawingml/2006/main" xmlns:r="http://schemas.openxmlformats.org/officeDocument/2006/relationships" xmlns:p="http://schemas.openxmlformats.org/presentationml/2006/main">
+  <p:cSld>
+    <p:spTree>
+      <p:nvGrpSpPr>
+        <p:cNvPr id="1" name=""/>
+        <p:cNvGrpSpPr/>
+        <p:nvPr/>
+      </p:nvGrpSpPr>
+      <p:grpSpPr>
+        <a:xfrm>
+          <a:off x="0" y="0"/>
+          <a:ext cx="0" cy="0"/>
+          <a:chOff x="0" y="0"/>
+          <a:chExt cx="0" cy="0"/>
+        </a:xfrm>
+      </p:grpSpPr>
+      <p:sp>
+        <p:nvSpPr>
+          <p:cNvPr id="2" name="Заголовок 1"/>
+          <p:cNvSpPr>
+            <a:spLocks noGrp="1"/>
+          </p:cNvSpPr>
+          <p:nvPr>
+            <p:ph type="title"/>
+          </p:nvPr>
+        </p:nvSpPr>
+        <p:spPr/>
+        <p:txBody>
+          <a:bodyPr/>
+          <a:lstStyle/>
+          <a:p>
+            <a:r>
+              <a:rPr lang="en-US" dirty="0" smtClean="0"/>
+              <a:t>Tests pyramid</a:t>
+            </a:r>
+            <a:endParaRPr lang="ru-RU" dirty="0"/>
+          </a:p>
+        </p:txBody>
+      </p:sp>
+      <p:pic>
+        <p:nvPicPr>
+          <p:cNvPr id="1026" name="Picture 2" descr="http://watirmelon.files.wordpress.com/2011/06/automatedtestingpyramid.png"/>
+          <p:cNvPicPr>
+            <a:picLocks noGrp="1" noChangeAspect="1" noChangeArrowheads="1"/>
+          </p:cNvPicPr>
+          <p:nvPr>
+            <p:ph idx="1"/>
+          </p:nvPr>
+        </p:nvPicPr>
+        <p:blipFill>
+          <a:blip r:embed="rId2">
+            <a:extLst>
+              <a:ext uri="{28A0092B-C50C-407E-A947-70E740481C1C}">
+                <a14:useLocalDpi xmlns:a14="http://schemas.microsoft.com/office/drawing/2010/main" val="0"/>
+              </a:ext>
+            </a:extLst>
+          </a:blip>
+          <a:srcRect/>
+          <a:stretch>
+            <a:fillRect/>
+          </a:stretch>
+        </p:blipFill>
+        <p:spPr bwMode="auto">
+          <a:xfrm>
+            <a:off x="1413536" y="1600200"/>
+            <a:ext cx="6316928" cy="4525963"/>
+          </a:xfrm>
+          <a:prstGeom prst="rect">
+            <a:avLst/>
+          </a:prstGeom>
+          <a:noFill/>
+          <a:extLst>
+            <a:ext uri="{909E8E84-426E-40DD-AFC4-6F175D3DCCD1}">
+              <a14:hiddenFill xmlns:a14="http://schemas.microsoft.com/office/drawing/2010/main">
+                <a:solidFill>
+                  <a:srgbClr val="FFFFFF"/>
+                </a:solidFill>
+              </a14:hiddenFill>
+            </a:ext>
+          </a:extLst>
+        </p:spPr>
+      </p:pic>
+    </p:spTree>
+    <p:extLst>
+      <p:ext uri="{BB962C8B-B14F-4D97-AF65-F5344CB8AC3E}">
         <p14:creationId xmlns:p14="http://schemas.microsoft.com/office/powerpoint/2010/main" val="450402414"/>
+      </p:ext>
+    </p:extLst>
+  </p:cSld>
+  <p:clrMapOvr>
+    <a:masterClrMapping/>
+  </p:clrMapOvr>
+  <p:timing>
+    <p:tnLst>
+      <p:par>
+        <p:cTn id="1" dur="indefinite" restart="never" nodeType="tmRoot"/>
+      </p:par>
+    </p:tnLst>
+  </p:timing>
+</p:sld>
+</file>
+
+<file path=ppt/slides/slide38.xml><?xml version="1.0" encoding="utf-8"?>
+<p:sld xmlns:a="http://schemas.openxmlformats.org/drawingml/2006/main" xmlns:r="http://schemas.openxmlformats.org/officeDocument/2006/relationships" xmlns:p="http://schemas.openxmlformats.org/presentationml/2006/main">
+  <p:cSld>
+    <p:spTree>
+      <p:nvGrpSpPr>
+        <p:cNvPr id="1" name=""/>
+        <p:cNvGrpSpPr/>
+        <p:nvPr/>
+      </p:nvGrpSpPr>
+      <p:grpSpPr>
+        <a:xfrm>
+          <a:off x="0" y="0"/>
+          <a:ext cx="0" cy="0"/>
+          <a:chOff x="0" y="0"/>
+          <a:chExt cx="0" cy="0"/>
+        </a:xfrm>
+      </p:grpSpPr>
+      <p:sp>
+        <p:nvSpPr>
+          <p:cNvPr id="2" name="Заголовок 1"/>
+          <p:cNvSpPr>
+            <a:spLocks noGrp="1"/>
+          </p:cNvSpPr>
+          <p:nvPr>
+            <p:ph type="title"/>
+          </p:nvPr>
+        </p:nvSpPr>
+        <p:spPr/>
+        <p:txBody>
+          <a:bodyPr/>
+          <a:lstStyle/>
+          <a:p>
+            <a:endParaRPr lang="ru-RU"/>
+          </a:p>
+        </p:txBody>
+      </p:sp>
+      <p:sp>
+        <p:nvSpPr>
+          <p:cNvPr id="3" name="Объект 2"/>
+          <p:cNvSpPr>
+            <a:spLocks noGrp="1"/>
+          </p:cNvSpPr>
+          <p:nvPr>
+            <p:ph idx="1"/>
+          </p:nvPr>
+        </p:nvSpPr>
+        <p:spPr/>
+        <p:txBody>
+          <a:bodyPr/>
+          <a:lstStyle/>
+          <a:p>
+            <a:endParaRPr lang="ru-RU"/>
+          </a:p>
+        </p:txBody>
+      </p:sp>
+    </p:spTree>
+    <p:extLst>
+      <p:ext uri="{BB962C8B-B14F-4D97-AF65-F5344CB8AC3E}">
+        <p14:creationId xmlns:p14="http://schemas.microsoft.com/office/powerpoint/2010/main" val="1147370390"/>
       </p:ext>
     </p:extLst>
   </p:cSld>
@@ -15636,18 +15860,6 @@
                 <a:latin typeface="Consolas" panose="020B0609020204030204" pitchFamily="49" charset="0"/>
               </a:rPr>
               <a:t>(</a:t>
-            </a:r>
-            <a:r>
-              <a:rPr lang="en-US" dirty="0" smtClean="0">
-                <a:solidFill>
-                  <a:srgbClr val="000000"/>
-                </a:solidFill>
-                <a:highlight>
-                  <a:srgbClr val="FFFFFF"/>
-                </a:highlight>
-                <a:latin typeface="Consolas" panose="020B0609020204030204" pitchFamily="49" charset="0"/>
-              </a:rPr>
-              <a:t/>
             </a:r>
             <a:br>
               <a:rPr lang="en-US" dirty="0" smtClean="0">

--- a/day2.pptx
+++ b/day2.pptx
@@ -4785,8 +4785,21 @@
             </a:r>
             <a:r>
               <a:rPr lang="ru-RU" dirty="0" smtClean="0"/>
-              <a:t>вызывать полную перерисовку лишь один раз вначале</a:t>
-            </a:r>
+              <a:t>вызывать полную перерисовку лишь один раз </a:t>
+            </a:r>
+            <a:r>
+              <a:rPr lang="ru-RU" dirty="0" smtClean="0"/>
+              <a:t>вначале</a:t>
+            </a:r>
+            <a:r>
+              <a:rPr lang="ru-RU" dirty="0"/>
+              <a:t> </a:t>
+            </a:r>
+            <a:r>
+              <a:rPr lang="ru-RU" dirty="0" smtClean="0"/>
+              <a:t>игры</a:t>
+            </a:r>
+            <a:endParaRPr lang="ru-RU" dirty="0" smtClean="0"/>
           </a:p>
           <a:p>
             <a:pPr marL="0" indent="0">
@@ -4918,6 +4931,13 @@
   <p:clrMapOvr>
     <a:masterClrMapping/>
   </p:clrMapOvr>
+  <p:timing>
+    <p:tnLst>
+      <p:par>
+        <p:cTn id="1" dur="indefinite" restart="never" nodeType="tmRoot"/>
+      </p:par>
+    </p:tnLst>
+  </p:timing>
 </p:sld>
 </file>
 
@@ -15050,7 +15070,6 @@
               <a:rPr lang="ru-RU" dirty="0" smtClean="0"/>
               <a:t>-документом.</a:t>
             </a:r>
-            <a:endParaRPr lang="ru-RU" dirty="0" smtClean="0"/>
           </a:p>
           <a:p>
             <a:endParaRPr lang="ru-RU" dirty="0"/>

--- a/day2.pptx
+++ b/day2.pptx
@@ -13095,7 +13095,26 @@
               <a:rPr lang="en-US" dirty="0" smtClean="0"/>
               <a:t>objects</a:t>
             </a:r>
-            <a:endParaRPr lang="ru-RU" dirty="0"/>
+          </a:p>
+          <a:p>
+            <a:pPr marL="0" indent="0">
+              <a:buNone/>
+            </a:pPr>
+            <a:endParaRPr lang="en-US" dirty="0"/>
+          </a:p>
+          <a:p>
+            <a:r>
+              <a:rPr lang="ru-RU" dirty="0" smtClean="0"/>
+              <a:t>Добавить возможность обновления </a:t>
+            </a:r>
+            <a:r>
+              <a:rPr lang="en-US" dirty="0" smtClean="0"/>
+              <a:t>UI </a:t>
+            </a:r>
+            <a:r>
+              <a:rPr lang="ru-RU" dirty="0" smtClean="0"/>
+              <a:t>по 1 клетке, а не целиком сразу все.</a:t>
+            </a:r>
           </a:p>
         </p:txBody>
       </p:sp>
@@ -14928,11 +14947,7 @@
           <a:p>
             <a:r>
               <a:rPr lang="ru-RU" dirty="0" smtClean="0"/>
-              <a:t>Сделайте </a:t>
-            </a:r>
-            <a:r>
-              <a:rPr lang="ru-RU" dirty="0" smtClean="0"/>
-              <a:t>сообщение </a:t>
+              <a:t>Сделайте сообщение </a:t>
             </a:r>
             <a:r>
               <a:rPr lang="en-US" dirty="0" smtClean="0"/>
